--- a/Abschlusspräsentation.pptx
+++ b/Abschlusspräsentation.pptx
@@ -5,10 +5,10 @@
     <p:sldMasterId id="2147483678" r:id="rId1"/>
   </p:sldMasterIdLst>
   <p:notesMasterIdLst>
-    <p:notesMasterId r:id="rId8"/>
+    <p:notesMasterId r:id="rId10"/>
   </p:notesMasterIdLst>
   <p:handoutMasterIdLst>
-    <p:handoutMasterId r:id="rId9"/>
+    <p:handoutMasterId r:id="rId11"/>
   </p:handoutMasterIdLst>
   <p:sldIdLst>
     <p:sldId id="256" r:id="rId2"/>
@@ -17,6 +17,8 @@
     <p:sldId id="259" r:id="rId5"/>
     <p:sldId id="260" r:id="rId6"/>
     <p:sldId id="261" r:id="rId7"/>
+    <p:sldId id="262" r:id="rId8"/>
+    <p:sldId id="263" r:id="rId9"/>
   </p:sldIdLst>
   <p:sldSz cx="9144000" cy="6858000" type="screen4x3"/>
   <p:notesSz cx="7099300" cy="10234613"/>
@@ -1015,7 +1017,6 @@
               <a:rPr lang="de-DE" smtClean="0"/>
               <a:t>Formatvorlage des Untertitelmasters durch Klicken bearbeiten</a:t>
             </a:r>
-            <a:endParaRPr lang="de-DE" smtClean="0"/>
           </a:p>
         </p:txBody>
       </p:sp>
@@ -1050,7 +1051,6 @@
               <a:rPr lang="de-DE" smtClean="0"/>
               <a:t>Titelmasterformat durch Klicken bearbeiten</a:t>
             </a:r>
-            <a:endParaRPr lang="de-DE" smtClean="0"/>
           </a:p>
         </p:txBody>
       </p:sp>
@@ -2910,7 +2910,6 @@
               <a:rPr lang="de-DE" noProof="0" smtClean="0"/>
               <a:t>Bild durch Klicken auf Symbol hinzufügen</a:t>
             </a:r>
-            <a:endParaRPr lang="de-DE" noProof="0" smtClean="0"/>
           </a:p>
         </p:txBody>
       </p:sp>
@@ -3947,7 +3946,6 @@
               <a:rPr lang="de-DE" dirty="0" smtClean="0"/>
               <a:t>Thema</a:t>
             </a:r>
-            <a:endParaRPr lang="de-DE" dirty="0" smtClean="0"/>
           </a:p>
         </p:txBody>
       </p:sp>
@@ -3989,9 +3987,6 @@
               </a:rPr>
               <a:t> mit kleinen Koordinaten</a:t>
             </a:r>
-            <a:endParaRPr lang="de-DE" sz="2800" dirty="0" smtClean="0">
-              <a:latin typeface="Calibri" pitchFamily="34" charset="0"/>
-            </a:endParaRPr>
           </a:p>
         </p:txBody>
       </p:sp>
@@ -4318,7 +4313,11 @@
             </a:pPr>
             <a:r>
               <a:rPr lang="de-DE" sz="2400" dirty="0" smtClean="0"/>
-              <a:t>besteht im Allgemeinen aus 3 Schritten:</a:t>
+              <a:t>besteht im Allgemeinen aus 3 Schritten</a:t>
+            </a:r>
+            <a:r>
+              <a:rPr lang="de-DE" sz="2400" dirty="0" smtClean="0"/>
+              <a:t>:</a:t>
             </a:r>
           </a:p>
           <a:p>
@@ -4328,7 +4327,7 @@
             </a:pPr>
             <a:r>
               <a:rPr lang="de-DE" sz="2400" dirty="0" smtClean="0"/>
-              <a:t>Der Graph wird in die Ebene mit ganzzahligen Koordinaten eingebettet</a:t>
+              <a:t>Der Graph wird in die Ebene eingebettet</a:t>
             </a:r>
           </a:p>
           <a:p>
@@ -4338,7 +4337,15 @@
             </a:pPr>
             <a:r>
               <a:rPr lang="de-DE" sz="2400" dirty="0" smtClean="0"/>
-              <a:t>Die Punkte werden von der Ebene in den Raum gezogen</a:t>
+              <a:t>Die Punkte werden von der Ebene in den Raum gezogen, sodass das entstandene </a:t>
+            </a:r>
+            <a:r>
+              <a:rPr lang="de-DE" sz="2400" dirty="0" err="1" smtClean="0"/>
+              <a:t>Polytop</a:t>
+            </a:r>
+            <a:r>
+              <a:rPr lang="de-DE" sz="2400" dirty="0" smtClean="0"/>
+              <a:t> konvex ist</a:t>
             </a:r>
           </a:p>
           <a:p>
@@ -4348,9 +4355,55 @@
             </a:pPr>
             <a:r>
               <a:rPr lang="de-DE" sz="2400" dirty="0" smtClean="0"/>
-              <a:t>Die Punkte werden nun noch gerundet (wobei die Konvexität erhalten bleiben muss)</a:t>
-            </a:r>
-            <a:endParaRPr lang="de-DE" sz="2400" dirty="0"/>
+              <a:t>Die Punkte werden nun noch gerundet (wobei die Konvexität erhalten bleiben muss</a:t>
+            </a:r>
+            <a:r>
+              <a:rPr lang="de-DE" sz="2400" dirty="0" smtClean="0"/>
+              <a:t>)</a:t>
+            </a:r>
+            <a:endParaRPr lang="de-DE" sz="2400" dirty="0" smtClean="0"/>
+          </a:p>
+          <a:p>
+            <a:pPr lvl="1">
+              <a:buFont typeface="Arial" pitchFamily="34" charset="0"/>
+              <a:buChar char="•"/>
+            </a:pPr>
+            <a:endParaRPr lang="de-DE" sz="2400" dirty="0" smtClean="0"/>
+          </a:p>
+          <a:p>
+            <a:pPr lvl="1">
+              <a:buFont typeface="Arial" pitchFamily="34" charset="0"/>
+              <a:buChar char="•"/>
+            </a:pPr>
+            <a:r>
+              <a:rPr lang="de-DE" sz="2400" dirty="0" smtClean="0"/>
+              <a:t>Die Koordinaten haben die maximale Größe 2160n</a:t>
+            </a:r>
+            <a:r>
+              <a:rPr lang="de-DE" sz="2400" baseline="30000" dirty="0" smtClean="0"/>
+              <a:t>4</a:t>
+            </a:r>
+            <a:r>
+              <a:rPr lang="de-DE" sz="2400" dirty="0" smtClean="0"/>
+              <a:t>x2160n</a:t>
+            </a:r>
+            <a:r>
+              <a:rPr lang="de-DE" sz="2400" baseline="30000" dirty="0" smtClean="0"/>
+              <a:t>4</a:t>
+            </a:r>
+            <a:r>
+              <a:rPr lang="de-DE" sz="2400" dirty="0" smtClean="0"/>
+              <a:t>x162n</a:t>
+            </a:r>
+            <a:r>
+              <a:rPr lang="de-DE" sz="2400" baseline="30000" dirty="0" smtClean="0"/>
+              <a:t>6 </a:t>
+            </a:r>
+            <a:r>
+              <a:rPr lang="de-DE" sz="1100" dirty="0" smtClean="0"/>
+              <a:t>(dabei ist n die Anzahl der Ecken)</a:t>
+            </a:r>
+            <a:endParaRPr lang="de-DE" sz="1100" baseline="30000" dirty="0" smtClean="0"/>
           </a:p>
         </p:txBody>
       </p:sp>
@@ -4392,7 +4445,7 @@
         </p:nvSpPr>
         <p:spPr>
           <a:xfrm>
-            <a:off x="2868612" y="3214687"/>
+            <a:off x="2868612" y="3197909"/>
             <a:ext cx="3406775" cy="428625"/>
           </a:xfrm>
         </p:spPr>
@@ -4539,6 +4592,319 @@
               <a:t>Polytopen</a:t>
             </a:r>
             <a:endParaRPr lang="de-DE" sz="2400" dirty="0"/>
+          </a:p>
+        </p:txBody>
+      </p:sp>
+    </p:spTree>
+  </p:cSld>
+  <p:clrMapOvr>
+    <a:masterClrMapping/>
+  </p:clrMapOvr>
+  <p:transition spd="slow"/>
+</p:sld>
+</file>
+
+<file path=ppt/slides/slide7.xml><?xml version="1.0" encoding="utf-8"?>
+<p:sld xmlns:a="http://schemas.openxmlformats.org/drawingml/2006/main" xmlns:r="http://schemas.openxmlformats.org/officeDocument/2006/relationships" xmlns:p="http://schemas.openxmlformats.org/presentationml/2006/main">
+  <p:cSld>
+    <p:spTree>
+      <p:nvGrpSpPr>
+        <p:cNvPr id="1" name=""/>
+        <p:cNvGrpSpPr/>
+        <p:nvPr/>
+      </p:nvGrpSpPr>
+      <p:grpSpPr>
+        <a:xfrm>
+          <a:off x="0" y="0"/>
+          <a:ext cx="0" cy="0"/>
+          <a:chOff x="0" y="0"/>
+          <a:chExt cx="0" cy="0"/>
+        </a:xfrm>
+      </p:grpSpPr>
+      <p:sp>
+        <p:nvSpPr>
+          <p:cNvPr id="2" name="Titel 1"/>
+          <p:cNvSpPr>
+            <a:spLocks noGrp="1"/>
+          </p:cNvSpPr>
+          <p:nvPr>
+            <p:ph type="title"/>
+          </p:nvPr>
+        </p:nvSpPr>
+        <p:spPr/>
+        <p:txBody>
+          <a:bodyPr/>
+          <a:lstStyle/>
+          <a:p>
+            <a:r>
+              <a:rPr lang="de-DE" dirty="0" smtClean="0"/>
+              <a:t>Wachstum der Rastergrößen im Vergleich</a:t>
+            </a:r>
+            <a:endParaRPr lang="de-DE" dirty="0"/>
+          </a:p>
+        </p:txBody>
+      </p:sp>
+      <p:pic>
+        <p:nvPicPr>
+          <p:cNvPr id="1026" name="Picture 2"/>
+          <p:cNvPicPr>
+            <a:picLocks noChangeAspect="1" noChangeArrowheads="1"/>
+          </p:cNvPicPr>
+          <p:nvPr/>
+        </p:nvPicPr>
+        <p:blipFill>
+          <a:blip r:embed="rId2" cstate="print"/>
+          <a:srcRect/>
+          <a:stretch>
+            <a:fillRect/>
+          </a:stretch>
+        </p:blipFill>
+        <p:spPr bwMode="auto">
+          <a:xfrm>
+            <a:off x="395771" y="4003428"/>
+            <a:ext cx="3711451" cy="2569993"/>
+          </a:xfrm>
+          <a:prstGeom prst="rect">
+            <a:avLst/>
+          </a:prstGeom>
+          <a:noFill/>
+          <a:ln w="9525">
+            <a:noFill/>
+            <a:miter lim="800000"/>
+            <a:headEnd/>
+            <a:tailEnd/>
+          </a:ln>
+          <a:effectLst>
+            <a:outerShdw blurRad="50800" dist="38100" dir="8100000" algn="tr" rotWithShape="0">
+              <a:schemeClr val="tx2">
+                <a:lumMod val="60000"/>
+                <a:lumOff val="40000"/>
+                <a:alpha val="40000"/>
+              </a:schemeClr>
+            </a:outerShdw>
+          </a:effectLst>
+          <a:scene3d>
+            <a:camera prst="orthographicFront"/>
+            <a:lightRig rig="threePt" dir="t"/>
+          </a:scene3d>
+          <a:sp3d>
+            <a:bevelT/>
+          </a:sp3d>
+        </p:spPr>
+      </p:pic>
+      <p:pic>
+        <p:nvPicPr>
+          <p:cNvPr id="1028" name="Picture 4"/>
+          <p:cNvPicPr>
+            <a:picLocks noChangeAspect="1" noChangeArrowheads="1"/>
+          </p:cNvPicPr>
+          <p:nvPr/>
+        </p:nvPicPr>
+        <p:blipFill>
+          <a:blip r:embed="rId3" cstate="print"/>
+          <a:srcRect/>
+          <a:stretch>
+            <a:fillRect/>
+          </a:stretch>
+        </p:blipFill>
+        <p:spPr bwMode="auto">
+          <a:xfrm>
+            <a:off x="253947" y="1485903"/>
+            <a:ext cx="4001527" cy="2380440"/>
+          </a:xfrm>
+          <a:prstGeom prst="rect">
+            <a:avLst/>
+          </a:prstGeom>
+          <a:noFill/>
+          <a:ln w="9525">
+            <a:noFill/>
+            <a:miter lim="800000"/>
+            <a:headEnd/>
+            <a:tailEnd/>
+          </a:ln>
+          <a:effectLst>
+            <a:outerShdw blurRad="50800" dist="38100" dir="8100000" algn="tr" rotWithShape="0">
+              <a:schemeClr val="tx2">
+                <a:lumMod val="60000"/>
+                <a:lumOff val="40000"/>
+                <a:alpha val="40000"/>
+              </a:schemeClr>
+            </a:outerShdw>
+          </a:effectLst>
+          <a:scene3d>
+            <a:camera prst="orthographicFront"/>
+            <a:lightRig rig="threePt" dir="t"/>
+          </a:scene3d>
+          <a:sp3d>
+            <a:bevelT w="165100" prst="coolSlant"/>
+          </a:sp3d>
+        </p:spPr>
+      </p:pic>
+      <p:pic>
+        <p:nvPicPr>
+          <p:cNvPr id="1029" name="Picture 5"/>
+          <p:cNvPicPr>
+            <a:picLocks noChangeAspect="1" noChangeArrowheads="1"/>
+          </p:cNvPicPr>
+          <p:nvPr/>
+        </p:nvPicPr>
+        <p:blipFill>
+          <a:blip r:embed="rId4" cstate="print"/>
+          <a:srcRect/>
+          <a:stretch>
+            <a:fillRect/>
+          </a:stretch>
+        </p:blipFill>
+        <p:spPr bwMode="auto">
+          <a:xfrm>
+            <a:off x="4932484" y="1481081"/>
+            <a:ext cx="3879395" cy="2325993"/>
+          </a:xfrm>
+          <a:prstGeom prst="rect">
+            <a:avLst/>
+          </a:prstGeom>
+          <a:noFill/>
+          <a:ln w="9525">
+            <a:noFill/>
+            <a:miter lim="800000"/>
+            <a:headEnd/>
+            <a:tailEnd/>
+          </a:ln>
+          <a:effectLst>
+            <a:outerShdw blurRad="50800" dist="38100" dir="8100000" algn="tr" rotWithShape="0">
+              <a:schemeClr val="tx2">
+                <a:lumMod val="60000"/>
+                <a:lumOff val="40000"/>
+                <a:alpha val="40000"/>
+              </a:schemeClr>
+            </a:outerShdw>
+          </a:effectLst>
+          <a:scene3d>
+            <a:camera prst="orthographicFront"/>
+            <a:lightRig rig="threePt" dir="t"/>
+          </a:scene3d>
+          <a:sp3d>
+            <a:bevelT/>
+          </a:sp3d>
+        </p:spPr>
+      </p:pic>
+      <p:sp>
+        <p:nvSpPr>
+          <p:cNvPr id="8" name="Textfeld 7"/>
+          <p:cNvSpPr txBox="1"/>
+          <p:nvPr/>
+        </p:nvSpPr>
+        <p:spPr>
+          <a:xfrm>
+            <a:off x="5583114" y="4598377"/>
+            <a:ext cx="2919047" cy="600164"/>
+          </a:xfrm>
+          <a:prstGeom prst="rect">
+            <a:avLst/>
+          </a:prstGeom>
+          <a:noFill/>
+        </p:spPr>
+        <p:txBody>
+          <a:bodyPr wrap="square" rtlCol="0">
+            <a:spAutoFit/>
+          </a:bodyPr>
+          <a:lstStyle/>
+          <a:p>
+            <a:r>
+              <a:rPr lang="de-DE" sz="1100" u="sng" dirty="0" smtClean="0">
+                <a:latin typeface="Calibri" pitchFamily="34" charset="0"/>
+              </a:rPr>
+              <a:t>Legende:</a:t>
+            </a:r>
+          </a:p>
+          <a:p>
+            <a:pPr>
+              <a:buFont typeface="Arial" pitchFamily="34" charset="0"/>
+              <a:buChar char="•"/>
+            </a:pPr>
+            <a:r>
+              <a:rPr lang="de-DE" sz="1100" dirty="0" smtClean="0">
+                <a:latin typeface="Calibri" pitchFamily="34" charset="0"/>
+              </a:rPr>
+              <a:t>Horizontale Achse </a:t>
+            </a:r>
+            <a:r>
+              <a:rPr lang="de-DE" sz="1100" dirty="0" smtClean="0">
+                <a:latin typeface="Calibri" pitchFamily="34" charset="0"/>
+                <a:sym typeface="Wingdings" pitchFamily="2" charset="2"/>
+              </a:rPr>
+              <a:t> Anzahl Punkte</a:t>
+            </a:r>
+          </a:p>
+          <a:p>
+            <a:pPr>
+              <a:buFont typeface="Arial" pitchFamily="34" charset="0"/>
+              <a:buChar char="•"/>
+            </a:pPr>
+            <a:r>
+              <a:rPr lang="de-DE" sz="1100" dirty="0" smtClean="0">
+                <a:latin typeface="Calibri" pitchFamily="34" charset="0"/>
+                <a:sym typeface="Wingdings" pitchFamily="2" charset="2"/>
+              </a:rPr>
+              <a:t>Vertikale Achse  Koordinatengröße</a:t>
+            </a:r>
+            <a:endParaRPr lang="de-DE" sz="1100" dirty="0">
+              <a:latin typeface="Calibri" pitchFamily="34" charset="0"/>
+            </a:endParaRPr>
+          </a:p>
+        </p:txBody>
+      </p:sp>
+    </p:spTree>
+  </p:cSld>
+  <p:clrMapOvr>
+    <a:masterClrMapping/>
+  </p:clrMapOvr>
+  <p:transition spd="slow"/>
+</p:sld>
+</file>
+
+<file path=ppt/slides/slide8.xml><?xml version="1.0" encoding="utf-8"?>
+<p:sld xmlns:a="http://schemas.openxmlformats.org/drawingml/2006/main" xmlns:r="http://schemas.openxmlformats.org/officeDocument/2006/relationships" xmlns:p="http://schemas.openxmlformats.org/presentationml/2006/main">
+  <p:cSld>
+    <p:spTree>
+      <p:nvGrpSpPr>
+        <p:cNvPr id="1" name=""/>
+        <p:cNvGrpSpPr/>
+        <p:nvPr/>
+      </p:nvGrpSpPr>
+      <p:grpSpPr>
+        <a:xfrm>
+          <a:off x="0" y="0"/>
+          <a:ext cx="0" cy="0"/>
+          <a:chOff x="0" y="0"/>
+          <a:chExt cx="0" cy="0"/>
+        </a:xfrm>
+      </p:grpSpPr>
+      <p:sp>
+        <p:nvSpPr>
+          <p:cNvPr id="2" name="Titel 1"/>
+          <p:cNvSpPr>
+            <a:spLocks noGrp="1"/>
+          </p:cNvSpPr>
+          <p:nvPr>
+            <p:ph type="title"/>
+          </p:nvPr>
+        </p:nvSpPr>
+        <p:spPr>
+          <a:xfrm>
+            <a:off x="3607264" y="3273410"/>
+            <a:ext cx="2080471" cy="428625"/>
+          </a:xfrm>
+        </p:spPr>
+        <p:txBody>
+          <a:bodyPr/>
+          <a:lstStyle/>
+          <a:p>
+            <a:r>
+              <a:rPr lang="de-DE" sz="5400" dirty="0" smtClean="0"/>
+              <a:t>ENDE</a:t>
+            </a:r>
+            <a:endParaRPr lang="de-DE" sz="5400" dirty="0"/>
           </a:p>
         </p:txBody>
       </p:sp>
